--- a/trunk/preliminary/Working/presentations/SMP_basic.pptx
+++ b/trunk/preliminary/Working/presentations/SMP_basic.pptx
@@ -5,10 +5,10 @@
     <p:sldMasterId id="2147483648" r:id="rId1"/>
   </p:sldMasterIdLst>
   <p:notesMasterIdLst>
-    <p:notesMasterId r:id="rId13"/>
+    <p:notesMasterId r:id="rId14"/>
   </p:notesMasterIdLst>
   <p:handoutMasterIdLst>
-    <p:handoutMasterId r:id="rId14"/>
+    <p:handoutMasterId r:id="rId15"/>
   </p:handoutMasterIdLst>
   <p:sldIdLst>
     <p:sldId id="265" r:id="rId2"/>
@@ -22,11 +22,12 @@
     <p:sldId id="297" r:id="rId10"/>
     <p:sldId id="298" r:id="rId11"/>
     <p:sldId id="299" r:id="rId12"/>
+    <p:sldId id="300" r:id="rId13"/>
   </p:sldIdLst>
   <p:sldSz cx="9144000" cy="6858000" type="screen4x3"/>
   <p:notesSz cx="7315200" cy="9601200"/>
   <p:custDataLst>
-    <p:tags r:id="rId15"/>
+    <p:tags r:id="rId16"/>
   </p:custDataLst>
   <p:defaultTextStyle>
     <a:defPPr>
@@ -4651,11 +4652,7 @@
             </a:br>
             <a:r>
               <a:rPr lang="en-US" dirty="0" smtClean="0"/>
-              <a:t>SMP </a:t>
-            </a:r>
-            <a:r>
-              <a:rPr lang="en-US" dirty="0" smtClean="0"/>
-              <a:t>Basics</a:t>
+              <a:t>SMP Basics</a:t>
             </a:r>
           </a:p>
         </p:txBody>
@@ -4831,11 +4828,7 @@
           <a:p>
             <a:r>
               <a:rPr lang="en-US" dirty="0" smtClean="0"/>
-              <a:t>Mutex is an abbreviation for "mutual exclusion</a:t>
-            </a:r>
-            <a:r>
-              <a:rPr lang="en-US" dirty="0" smtClean="0"/>
-              <a:t>"</a:t>
+              <a:t>Mutex is an abbreviation for "mutual exclusion"</a:t>
             </a:r>
           </a:p>
           <a:p>
@@ -4844,39 +4837,7 @@
           <a:p>
             <a:r>
               <a:rPr lang="en-US" dirty="0" smtClean="0"/>
-              <a:t>A </a:t>
-            </a:r>
-            <a:r>
-              <a:rPr lang="en-US" dirty="0" smtClean="0"/>
-              <a:t>mutex variable </a:t>
-            </a:r>
-            <a:r>
-              <a:rPr lang="en-US" dirty="0" smtClean="0"/>
-              <a:t>is a "lock</a:t>
-            </a:r>
-            <a:r>
-              <a:rPr lang="en-US" dirty="0" smtClean="0"/>
-              <a:t>" (</a:t>
-            </a:r>
-            <a:r>
-              <a:rPr lang="en-US" dirty="0" smtClean="0"/>
-              <a:t>a semaphore), protecting </a:t>
-            </a:r>
-            <a:r>
-              <a:rPr lang="en-US" dirty="0" smtClean="0"/>
-              <a:t>access to a shared data </a:t>
-            </a:r>
-            <a:r>
-              <a:rPr lang="en-US" dirty="0" smtClean="0"/>
-              <a:t>resource</a:t>
-            </a:r>
-            <a:r>
-              <a:rPr lang="en-US" dirty="0" smtClean="0"/>
-              <a:t> </a:t>
-            </a:r>
-            <a:r>
-              <a:rPr lang="en-US" dirty="0" smtClean="0"/>
-              <a:t>to prevent “race” conditions</a:t>
+              <a:t>A mutex variable is a "lock" (a semaphore), protecting access to a shared data resource to prevent “race” conditions</a:t>
             </a:r>
           </a:p>
           <a:p>
@@ -5006,11 +4967,7 @@
           <a:p>
             <a:r>
               <a:rPr lang="en-US" dirty="0" smtClean="0"/>
-              <a:t>Condition variables </a:t>
-            </a:r>
-            <a:r>
-              <a:rPr lang="en-US" dirty="0" smtClean="0"/>
-              <a:t>behave like flags, they enable synchronization between threads based on variable value but without the needs to explicitly pull the flag value</a:t>
+              <a:t>Condition variables behave like flags, they enable synchronization between threads based on variable value but without the needs to explicitly pull the flag value</a:t>
             </a:r>
           </a:p>
           <a:p>
@@ -5028,12 +4985,195 @@
           <a:p>
             <a:r>
               <a:rPr lang="en-US" dirty="0" smtClean="0"/>
-              <a:t>A </a:t>
-            </a:r>
-            <a:r>
-              <a:rPr lang="en-US" dirty="0" smtClean="0"/>
-              <a:t>condition variable is always used in conjunction with a mutex lock. </a:t>
-            </a:r>
+              <a:t>A condition variable is always used in conjunction with a mutex lock. </a:t>
+            </a:r>
+          </a:p>
+          <a:p>
+            <a:endParaRPr lang="en-US" dirty="0"/>
+          </a:p>
+        </p:txBody>
+      </p:sp>
+    </p:spTree>
+  </p:cSld>
+  <p:clrMapOvr>
+    <a:masterClrMapping/>
+  </p:clrMapOvr>
+  <p:timing>
+    <p:tnLst>
+      <p:par>
+        <p:cTn id="1" dur="indefinite" restart="never" nodeType="tmRoot"/>
+      </p:par>
+    </p:tnLst>
+  </p:timing>
+</p:sld>
+</file>
+
+<file path=ppt/slides/slide12.xml><?xml version="1.0" encoding="utf-8"?>
+<p:sld xmlns:a="http://schemas.openxmlformats.org/drawingml/2006/main" xmlns:r="http://schemas.openxmlformats.org/officeDocument/2006/relationships" xmlns:p="http://schemas.openxmlformats.org/presentationml/2006/main">
+  <p:cSld>
+    <p:spTree>
+      <p:nvGrpSpPr>
+        <p:cNvPr id="1" name=""/>
+        <p:cNvGrpSpPr/>
+        <p:nvPr/>
+      </p:nvGrpSpPr>
+      <p:grpSpPr>
+        <a:xfrm>
+          <a:off x="0" y="0"/>
+          <a:ext cx="0" cy="0"/>
+          <a:chOff x="0" y="0"/>
+          <a:chExt cx="0" cy="0"/>
+        </a:xfrm>
+      </p:grpSpPr>
+      <p:sp>
+        <p:nvSpPr>
+          <p:cNvPr id="2" name="Title 1"/>
+          <p:cNvSpPr>
+            <a:spLocks noGrp="1"/>
+          </p:cNvSpPr>
+          <p:nvPr>
+            <p:ph type="ctrTitle"/>
+          </p:nvPr>
+        </p:nvSpPr>
+        <p:spPr>
+          <a:xfrm>
+            <a:off x="685800" y="304801"/>
+            <a:ext cx="7772400" cy="914400"/>
+          </a:xfrm>
+        </p:spPr>
+        <p:txBody>
+          <a:bodyPr>
+            <a:normAutofit/>
+          </a:bodyPr>
+          <a:lstStyle/>
+          <a:p>
+            <a:pPr algn="ctr"/>
+            <a:r>
+              <a:rPr lang="en-US" sz="3600" dirty="0" smtClean="0"/>
+              <a:t>SMP demo</a:t>
+            </a:r>
+            <a:endParaRPr lang="en-US" sz="3600" dirty="0"/>
+          </a:p>
+        </p:txBody>
+      </p:sp>
+      <p:sp>
+        <p:nvSpPr>
+          <p:cNvPr id="4" name="Slide Number Placeholder 3"/>
+          <p:cNvSpPr>
+            <a:spLocks noGrp="1"/>
+          </p:cNvSpPr>
+          <p:nvPr>
+            <p:ph type="sldNum" sz="quarter" idx="10"/>
+          </p:nvPr>
+        </p:nvSpPr>
+        <p:spPr/>
+        <p:txBody>
+          <a:bodyPr/>
+          <a:lstStyle/>
+          <a:p>
+            <a:fld id="{B1006088-BF21-4FD5-870B-675EAADE47BD}" type="slidenum">
+              <a:rPr lang="en-US" smtClean="0"/>
+              <a:pPr/>
+              <a:t>12</a:t>
+            </a:fld>
+            <a:endParaRPr lang="en-US" dirty="0"/>
+          </a:p>
+        </p:txBody>
+      </p:sp>
+      <p:sp>
+        <p:nvSpPr>
+          <p:cNvPr id="6" name="TextBox 5"/>
+          <p:cNvSpPr txBox="1"/>
+          <p:nvPr/>
+        </p:nvSpPr>
+        <p:spPr>
+          <a:xfrm>
+            <a:off x="371192" y="2181885"/>
+            <a:ext cx="7813141" cy="3416320"/>
+          </a:xfrm>
+          <a:prstGeom prst="rect">
+            <a:avLst/>
+          </a:prstGeom>
+          <a:noFill/>
+        </p:spPr>
+        <p:txBody>
+          <a:bodyPr wrap="square" rtlCol="0">
+            <a:spAutoFit/>
+          </a:bodyPr>
+          <a:lstStyle/>
+          <a:p>
+            <a:r>
+              <a:rPr lang="en-US" dirty="0" smtClean="0"/>
+              <a:t>Part of </a:t>
+            </a:r>
+            <a:r>
+              <a:rPr lang="en-US" dirty="0" smtClean="0"/>
+              <a:t>the release at </a:t>
+            </a:r>
+            <a:endParaRPr lang="en-US" dirty="0" smtClean="0"/>
+          </a:p>
+          <a:p>
+            <a:endParaRPr lang="en-US" dirty="0" smtClean="0"/>
+          </a:p>
+          <a:p>
+            <a:r>
+              <a:rPr lang="en-US" dirty="0" smtClean="0"/>
+              <a:t>MCSDK_3_15\mcsdk_linux_3_00_03_15\example-applications\</a:t>
+            </a:r>
+            <a:r>
+              <a:rPr lang="en-US" dirty="0" err="1" smtClean="0"/>
+              <a:t>smp_test</a:t>
+            </a:r>
+            <a:endParaRPr lang="en-US" dirty="0" smtClean="0"/>
+          </a:p>
+          <a:p>
+            <a:endParaRPr lang="en-US" dirty="0" smtClean="0"/>
+          </a:p>
+          <a:p>
+            <a:r>
+              <a:rPr lang="en-US" dirty="0" smtClean="0"/>
+              <a:t>Need to add </a:t>
+            </a:r>
+          </a:p>
+          <a:p>
+            <a:r>
+              <a:rPr lang="en-US" dirty="0" smtClean="0"/>
+              <a:t>   #include &lt;</a:t>
+            </a:r>
+            <a:r>
+              <a:rPr lang="en-US" dirty="0" err="1" smtClean="0"/>
+              <a:t>time.h</a:t>
+            </a:r>
+            <a:r>
+              <a:rPr lang="en-US" dirty="0" smtClean="0"/>
+              <a:t>&gt;</a:t>
+            </a:r>
+          </a:p>
+          <a:p>
+            <a:r>
+              <a:rPr lang="en-US" dirty="0" smtClean="0"/>
+              <a:t> #include &lt;linux/</a:t>
+            </a:r>
+            <a:r>
+              <a:rPr lang="en-US" dirty="0" err="1" smtClean="0"/>
+              <a:t>sched.h</a:t>
+            </a:r>
+            <a:r>
+              <a:rPr lang="en-US" dirty="0" smtClean="0"/>
+              <a:t>&gt;</a:t>
+            </a:r>
+          </a:p>
+          <a:p>
+            <a:endParaRPr lang="en-US" dirty="0" smtClean="0"/>
+          </a:p>
+          <a:p>
+            <a:endParaRPr lang="en-US" dirty="0" smtClean="0"/>
+          </a:p>
+          <a:p>
+            <a:endParaRPr lang="en-US" dirty="0" smtClean="0"/>
+          </a:p>
+          <a:p>
+            <a:endParaRPr lang="en-US" dirty="0" smtClean="0"/>
           </a:p>
           <a:p>
             <a:endParaRPr lang="en-US" dirty="0"/>
@@ -5293,13 +5433,8 @@
           <a:p>
             <a:r>
               <a:rPr lang="en-US" dirty="0" smtClean="0"/>
-              <a:t>Definition </a:t>
-            </a:r>
-            <a:r>
-              <a:rPr lang="en-US" dirty="0" smtClean="0"/>
-              <a:t> of SMP</a:t>
-            </a:r>
-            <a:endParaRPr lang="en-US" dirty="0" smtClean="0"/>
+              <a:t>Definition  of SMP</a:t>
+            </a:r>
           </a:p>
           <a:p>
             <a:r>
@@ -5608,13 +5743,8 @@
           <a:p>
             <a:r>
               <a:rPr lang="en-US" sz="2800" dirty="0" smtClean="0"/>
-              <a:t>Pthreads</a:t>
-            </a:r>
-            <a:r>
-              <a:rPr lang="en-US" sz="2800" dirty="0" smtClean="0"/>
-              <a:t> provide the parallelism  </a:t>
-            </a:r>
-            <a:endParaRPr lang="en-US" sz="2800" dirty="0" smtClean="0"/>
+              <a:t>Pthreads provide the parallelism  </a:t>
+            </a:r>
           </a:p>
           <a:p>
             <a:endParaRPr lang="en-US" dirty="0"/>
@@ -5748,11 +5878,7 @@
           <a:p>
             <a:r>
               <a:rPr lang="en-US" dirty="0" smtClean="0"/>
-              <a:t>A</a:t>
-            </a:r>
-            <a:r>
-              <a:rPr lang="en-US" dirty="0" smtClean="0"/>
-              <a:t> process is created by the operating system to run an application. Starting a process requires a great amount of overhead</a:t>
+              <a:t>A process is created by the operating system to run an application. Starting a process requires a great amount of overhead</a:t>
             </a:r>
           </a:p>
           <a:p>
@@ -5770,15 +5896,7 @@
           <a:p>
             <a:r>
               <a:rPr lang="en-US" dirty="0" smtClean="0"/>
-              <a:t>A </a:t>
-            </a:r>
-            <a:r>
-              <a:rPr lang="en-US" dirty="0" smtClean="0"/>
-              <a:t>thread is defined as an independent stream of instructions that can be scheduled to run as such by the operating </a:t>
-            </a:r>
-            <a:r>
-              <a:rPr lang="en-US" dirty="0" smtClean="0"/>
-              <a:t>system and requires much less overhead than a process</a:t>
+              <a:t>A thread is defined as an independent stream of instructions that can be scheduled to run as such by the operating system and requires much less overhead than a process</a:t>
             </a:r>
           </a:p>
           <a:p>
@@ -5912,11 +6030,7 @@
           <a:p>
             <a:r>
               <a:rPr lang="en-US" dirty="0" smtClean="0"/>
-              <a:t>Pthreads are defined as a set of C language programming types and procedure calls, implemented with a pthread.h header/include file and a thread </a:t>
-            </a:r>
-            <a:r>
-              <a:rPr lang="en-US" dirty="0" smtClean="0"/>
-              <a:t>library</a:t>
+              <a:t>Pthreads are defined as a set of C language programming types and procedure calls, implemented with a pthread.h header/include file and a thread library</a:t>
             </a:r>
           </a:p>
           <a:p>
@@ -5925,35 +6039,17 @@
           <a:p>
             <a:r>
               <a:rPr lang="en-US" dirty="0" smtClean="0"/>
-              <a:t>In terms of performance cost, pthreads require much less resources to be created </a:t>
-            </a:r>
-            <a:r>
-              <a:rPr lang="en-US" dirty="0" smtClean="0"/>
-              <a:t>and managed </a:t>
-            </a:r>
+              <a:t>In terms of performance cost, pthreads require much less resources to be created and managed </a:t>
+            </a:r>
+          </a:p>
+          <a:p>
             <a:endParaRPr lang="en-US" dirty="0" smtClean="0"/>
           </a:p>
           <a:p>
-            <a:endParaRPr lang="en-US" dirty="0" smtClean="0"/>
-          </a:p>
-          <a:p>
-            <a:r>
-              <a:rPr lang="en-US" dirty="0" smtClean="0"/>
-              <a:t>All </a:t>
-            </a:r>
-            <a:r>
-              <a:rPr lang="en-US" dirty="0" smtClean="0"/>
-              <a:t>threads within a process share the same address space. Inter-thread communication is more efficient </a:t>
-            </a:r>
-            <a:r>
-              <a:rPr lang="en-US" dirty="0" smtClean="0"/>
-              <a:t>and easier </a:t>
-            </a:r>
-            <a:r>
-              <a:rPr lang="en-US" dirty="0" smtClean="0"/>
-              <a:t>than inter-process communication.</a:t>
-            </a:r>
-            <a:endParaRPr lang="en-US" dirty="0" smtClean="0"/>
+            <a:r>
+              <a:rPr lang="en-US" dirty="0" smtClean="0"/>
+              <a:t>All threads within a process share the same address space. Inter-thread communication is more efficient and easier than inter-process communication.</a:t>
+            </a:r>
           </a:p>
           <a:p>
             <a:endParaRPr lang="en-US" dirty="0" smtClean="0"/>
@@ -6091,11 +6187,7 @@
             </a:r>
             <a:r>
               <a:rPr lang="en-US" dirty="0" smtClean="0"/>
-              <a:t> </a:t>
-            </a:r>
-            <a:r>
-              <a:rPr lang="en-US" dirty="0" smtClean="0"/>
-              <a:t>a single thread, the </a:t>
+              <a:t> a single thread, the </a:t>
             </a:r>
             <a:r>
               <a:rPr lang="en-US" i="1" dirty="0" smtClean="0"/>
@@ -6103,11 +6195,7 @@
             </a:r>
             <a:r>
               <a:rPr lang="en-US" dirty="0" smtClean="0"/>
-              <a:t> </a:t>
-            </a:r>
-            <a:r>
-              <a:rPr lang="en-US" dirty="0" smtClean="0"/>
-              <a:t>assigns work to other threads, the </a:t>
+              <a:t> assigns work to other threads, the </a:t>
             </a:r>
             <a:r>
               <a:rPr lang="en-US" i="1" dirty="0" smtClean="0"/>
@@ -6115,43 +6203,7 @@
             </a:r>
             <a:r>
               <a:rPr lang="en-US" dirty="0" smtClean="0"/>
-              <a:t>. </a:t>
-            </a:r>
-            <a:r>
-              <a:rPr lang="en-US" dirty="0" smtClean="0"/>
-              <a:t>Typically, the </a:t>
-            </a:r>
-            <a:r>
-              <a:rPr lang="en-US" dirty="0" smtClean="0"/>
-              <a:t>master </a:t>
-            </a:r>
-            <a:r>
-              <a:rPr lang="en-US" dirty="0" smtClean="0"/>
-              <a:t>handles all input and parcels out work to the other tasks. At least two forms of the </a:t>
-            </a:r>
-            <a:r>
-              <a:rPr lang="en-US" dirty="0" smtClean="0"/>
-              <a:t>master/slaves </a:t>
-            </a:r>
-            <a:r>
-              <a:rPr lang="en-US" dirty="0" smtClean="0"/>
-              <a:t>model are common: static </a:t>
-            </a:r>
-            <a:r>
-              <a:rPr lang="en-US" dirty="0" smtClean="0"/>
-              <a:t>slaves </a:t>
-            </a:r>
-            <a:r>
-              <a:rPr lang="en-US" dirty="0" smtClean="0"/>
-              <a:t>pool and dynamic </a:t>
-            </a:r>
-            <a:r>
-              <a:rPr lang="en-US" dirty="0" smtClean="0"/>
-              <a:t>slaves </a:t>
-            </a:r>
-            <a:r>
-              <a:rPr lang="en-US" dirty="0" smtClean="0"/>
-              <a:t>pool. </a:t>
+              <a:t>. Typically, the master handles all input and parcels out work to the other tasks. At least two forms of the master/slaves model are common: static slaves pool and dynamic slaves pool. </a:t>
             </a:r>
           </a:p>
           <a:p>
@@ -6162,15 +6214,7 @@
             </a:r>
             <a:r>
               <a:rPr lang="en-US" dirty="0" smtClean="0"/>
-              <a:t> a task is broken into a series of </a:t>
-            </a:r>
-            <a:r>
-              <a:rPr lang="en-US" dirty="0" smtClean="0"/>
-              <a:t>sub-operations</a:t>
-            </a:r>
-            <a:r>
-              <a:rPr lang="en-US" dirty="0" smtClean="0"/>
-              <a:t>, each of which is handled in series, but concurrently, by a different thread. An automobile assembly line best describes this model. </a:t>
+              <a:t> a task is broken into a series of sub-operations, each of which is handled in series, but concurrently, by a different thread. An automobile assembly line best describes this model. </a:t>
             </a:r>
           </a:p>
           <a:p>
@@ -6181,15 +6225,7 @@
             </a:r>
             <a:r>
               <a:rPr lang="en-US" dirty="0" smtClean="0"/>
-              <a:t> similar to the </a:t>
-            </a:r>
-            <a:r>
-              <a:rPr lang="en-US" dirty="0" smtClean="0"/>
-              <a:t>master/slave </a:t>
-            </a:r>
-            <a:r>
-              <a:rPr lang="en-US" dirty="0" smtClean="0"/>
-              <a:t>model, but after the main thread creates other threads, it participates in the work. </a:t>
+              <a:t> similar to the master/slave model, but after the main thread creates other threads, it participates in the work. </a:t>
             </a:r>
           </a:p>
           <a:p>
@@ -6321,13 +6357,8 @@
             </a:pPr>
             <a:r>
               <a:rPr lang="en-US" dirty="0" smtClean="0"/>
-              <a:t> All </a:t>
-            </a:r>
-            <a:r>
-              <a:rPr lang="en-US" dirty="0" smtClean="0"/>
-              <a:t>threads have access to the same global, shared memory </a:t>
-            </a:r>
-            <a:endParaRPr lang="en-US" dirty="0" smtClean="0"/>
+              <a:t> All threads have access to the same global, shared memory </a:t>
+            </a:r>
           </a:p>
           <a:p>
             <a:pPr>
@@ -6343,13 +6374,8 @@
             </a:pPr>
             <a:r>
               <a:rPr lang="en-US" dirty="0" smtClean="0"/>
-              <a:t> Threads </a:t>
-            </a:r>
-            <a:r>
-              <a:rPr lang="en-US" dirty="0" smtClean="0"/>
-              <a:t>also have their own private data </a:t>
-            </a:r>
-            <a:endParaRPr lang="en-US" dirty="0" smtClean="0"/>
+              <a:t> Threads also have their own private data </a:t>
+            </a:r>
           </a:p>
           <a:p>
             <a:pPr>
@@ -6365,11 +6391,7 @@
             </a:pPr>
             <a:r>
               <a:rPr lang="en-US" dirty="0" smtClean="0"/>
-              <a:t> Programmers </a:t>
-            </a:r>
-            <a:r>
-              <a:rPr lang="en-US" dirty="0" smtClean="0"/>
-              <a:t>are responsible for synchronizing access (protecting) globally shared data. </a:t>
+              <a:t> Programmers are responsible for synchronizing access (protecting) globally shared data. </a:t>
             </a:r>
           </a:p>
           <a:p>
